--- a/WeeklyPresentations/update6_04_08.pptx
+++ b/WeeklyPresentations/update6_04_08.pptx
@@ -18,9 +18,12 @@
     <p:sldId id="269" r:id="rId12"/>
     <p:sldId id="273" r:id="rId13"/>
     <p:sldId id="270" r:id="rId14"/>
-    <p:sldId id="272" r:id="rId15"/>
-    <p:sldId id="274" r:id="rId16"/>
-    <p:sldId id="271" r:id="rId17"/>
+    <p:sldId id="278" r:id="rId15"/>
+    <p:sldId id="272" r:id="rId16"/>
+    <p:sldId id="276" r:id="rId17"/>
+    <p:sldId id="277" r:id="rId18"/>
+    <p:sldId id="274" r:id="rId19"/>
+    <p:sldId id="271" r:id="rId20"/>
   </p:sldIdLst>
   <p:sldSz cx="12192000" cy="6858000"/>
   <p:notesSz cx="6858000" cy="9144000"/>
@@ -275,7 +278,7 @@
             <a:fld id="{B61BEF0D-F0BB-DE4B-95CE-6DB70DBA9567}" type="datetimeFigureOut">
               <a:rPr lang="en-US" smtClean="0"/>
               <a:pPr/>
-              <a:t>4/4/2019</a:t>
+              <a:t>4/6/2019</a:t>
             </a:fld>
             <a:endParaRPr lang="en-US" dirty="0"/>
           </a:p>
@@ -475,7 +478,7 @@
             <a:fld id="{B61BEF0D-F0BB-DE4B-95CE-6DB70DBA9567}" type="datetimeFigureOut">
               <a:rPr lang="en-US" smtClean="0"/>
               <a:pPr/>
-              <a:t>4/4/2019</a:t>
+              <a:t>4/6/2019</a:t>
             </a:fld>
             <a:endParaRPr lang="en-US" dirty="0"/>
           </a:p>
@@ -685,7 +688,7 @@
             <a:fld id="{B61BEF0D-F0BB-DE4B-95CE-6DB70DBA9567}" type="datetimeFigureOut">
               <a:rPr lang="en-US" smtClean="0"/>
               <a:pPr/>
-              <a:t>4/4/2019</a:t>
+              <a:t>4/6/2019</a:t>
             </a:fld>
             <a:endParaRPr lang="en-US" dirty="0"/>
           </a:p>
@@ -885,7 +888,7 @@
             <a:fld id="{B61BEF0D-F0BB-DE4B-95CE-6DB70DBA9567}" type="datetimeFigureOut">
               <a:rPr lang="en-US" smtClean="0"/>
               <a:pPr/>
-              <a:t>4/4/2019</a:t>
+              <a:t>4/6/2019</a:t>
             </a:fld>
             <a:endParaRPr lang="en-US" dirty="0"/>
           </a:p>
@@ -1162,7 +1165,7 @@
             <a:fld id="{B61BEF0D-F0BB-DE4B-95CE-6DB70DBA9567}" type="datetimeFigureOut">
               <a:rPr lang="en-US" smtClean="0"/>
               <a:pPr/>
-              <a:t>4/4/2019</a:t>
+              <a:t>4/6/2019</a:t>
             </a:fld>
             <a:endParaRPr lang="en-US" dirty="0"/>
           </a:p>
@@ -1429,7 +1432,7 @@
             <a:fld id="{B61BEF0D-F0BB-DE4B-95CE-6DB70DBA9567}" type="datetimeFigureOut">
               <a:rPr lang="en-US" smtClean="0"/>
               <a:pPr/>
-              <a:t>4/4/2019</a:t>
+              <a:t>4/6/2019</a:t>
             </a:fld>
             <a:endParaRPr lang="en-US" dirty="0"/>
           </a:p>
@@ -1843,7 +1846,7 @@
             <a:fld id="{B61BEF0D-F0BB-DE4B-95CE-6DB70DBA9567}" type="datetimeFigureOut">
               <a:rPr lang="en-US" smtClean="0"/>
               <a:pPr/>
-              <a:t>4/4/2019</a:t>
+              <a:t>4/6/2019</a:t>
             </a:fld>
             <a:endParaRPr lang="en-US" dirty="0"/>
           </a:p>
@@ -1986,7 +1989,7 @@
             <a:fld id="{B61BEF0D-F0BB-DE4B-95CE-6DB70DBA9567}" type="datetimeFigureOut">
               <a:rPr lang="en-US" smtClean="0"/>
               <a:pPr/>
-              <a:t>4/4/2019</a:t>
+              <a:t>4/6/2019</a:t>
             </a:fld>
             <a:endParaRPr lang="en-US" dirty="0"/>
           </a:p>
@@ -2101,7 +2104,7 @@
             <a:fld id="{B61BEF0D-F0BB-DE4B-95CE-6DB70DBA9567}" type="datetimeFigureOut">
               <a:rPr lang="en-US" smtClean="0"/>
               <a:pPr/>
-              <a:t>4/4/2019</a:t>
+              <a:t>4/6/2019</a:t>
             </a:fld>
             <a:endParaRPr lang="en-US" dirty="0"/>
           </a:p>
@@ -2414,7 +2417,7 @@
             <a:fld id="{B61BEF0D-F0BB-DE4B-95CE-6DB70DBA9567}" type="datetimeFigureOut">
               <a:rPr lang="en-US" smtClean="0"/>
               <a:pPr/>
-              <a:t>4/4/2019</a:t>
+              <a:t>4/6/2019</a:t>
             </a:fld>
             <a:endParaRPr lang="en-US" dirty="0"/>
           </a:p>
@@ -2704,7 +2707,7 @@
             <a:fld id="{B61BEF0D-F0BB-DE4B-95CE-6DB70DBA9567}" type="datetimeFigureOut">
               <a:rPr lang="en-US" smtClean="0"/>
               <a:pPr/>
-              <a:t>4/4/2019</a:t>
+              <a:t>4/6/2019</a:t>
             </a:fld>
             <a:endParaRPr lang="en-US" dirty="0"/>
           </a:p>
@@ -2947,7 +2950,7 @@
             <a:fld id="{B61BEF0D-F0BB-DE4B-95CE-6DB70DBA9567}" type="datetimeFigureOut">
               <a:rPr lang="en-US" smtClean="0"/>
               <a:pPr/>
-              <a:t>4/4/2019</a:t>
+              <a:t>4/6/2019</a:t>
             </a:fld>
             <a:endParaRPr lang="en-US" dirty="0"/>
           </a:p>
@@ -3612,13 +3615,13 @@
         </p:nvSpPr>
         <p:spPr>
           <a:xfrm>
-            <a:off x="394063" y="1529533"/>
-            <a:ext cx="5640977" cy="5228317"/>
+            <a:off x="394063" y="1358538"/>
+            <a:ext cx="11099071" cy="2395854"/>
           </a:xfrm>
         </p:spPr>
         <p:txBody>
           <a:bodyPr>
-            <a:normAutofit fontScale="92500" lnSpcReduction="20000"/>
+            <a:normAutofit fontScale="77500" lnSpcReduction="20000"/>
           </a:bodyPr>
           <a:lstStyle/>
           <a:p>
@@ -3642,7 +3645,7 @@
           <a:p>
             <a:r>
               <a:rPr lang="en-US" altLang="zh-CN" dirty="0"/>
-              <a:t>For simplicity of initial concept, read and write port will be set to 16 bits, so 1 weight or 1 activation can be read/written to at a time</a:t>
+              <a:t>For simplicity of initial concept, read and write port will be set to 16 bits, so 1 weight or 1 activation can be read/written to at a time.</a:t>
             </a:r>
           </a:p>
           <a:p>
@@ -3658,10 +3661,10 @@
       </p:sp>
       <p:sp>
         <p:nvSpPr>
-          <p:cNvPr id="4" name="Rectangle 3">
-            <a:extLst>
-              <a:ext uri="{FF2B5EF4-FFF2-40B4-BE49-F238E27FC236}">
-                <a16:creationId xmlns:a16="http://schemas.microsoft.com/office/drawing/2014/main" id="{3FA67C37-DA85-49F9-8443-F91FCA6447E5}"/>
+          <p:cNvPr id="6" name="Rectangle 5">
+            <a:extLst>
+              <a:ext uri="{FF2B5EF4-FFF2-40B4-BE49-F238E27FC236}">
+                <a16:creationId xmlns:a16="http://schemas.microsoft.com/office/drawing/2014/main" id="{182E4114-7ED4-4798-A879-1361F1B9AD61}"/>
               </a:ext>
             </a:extLst>
           </p:cNvPr>
@@ -3670,8 +3673,8 @@
         </p:nvSpPr>
         <p:spPr>
           <a:xfrm>
-            <a:off x="7611291" y="1793966"/>
-            <a:ext cx="757646" cy="1715588"/>
+            <a:off x="9370423" y="3880847"/>
+            <a:ext cx="1480457" cy="2224859"/>
           </a:xfrm>
           <a:prstGeom prst="rect">
             <a:avLst/>
@@ -3706,10 +3709,10 @@
       </p:sp>
       <p:sp>
         <p:nvSpPr>
-          <p:cNvPr id="5" name="Rectangle 4">
-            <a:extLst>
-              <a:ext uri="{FF2B5EF4-FFF2-40B4-BE49-F238E27FC236}">
-                <a16:creationId xmlns:a16="http://schemas.microsoft.com/office/drawing/2014/main" id="{D68CBF6B-9E17-47E0-8AFD-479D40CA3C73}"/>
+          <p:cNvPr id="11" name="Rectangle 10">
+            <a:extLst>
+              <a:ext uri="{FF2B5EF4-FFF2-40B4-BE49-F238E27FC236}">
+                <a16:creationId xmlns:a16="http://schemas.microsoft.com/office/drawing/2014/main" id="{50CB0A37-7CAB-40A9-8D16-7ACA0D9FCB98}"/>
               </a:ext>
             </a:extLst>
           </p:cNvPr>
@@ -3718,8 +3721,215 @@
         </p:nvSpPr>
         <p:spPr>
           <a:xfrm>
-            <a:off x="9187542" y="1793966"/>
-            <a:ext cx="757646" cy="1715588"/>
+            <a:off x="9601199" y="4942719"/>
+            <a:ext cx="1018902" cy="928252"/>
+          </a:xfrm>
+          <a:prstGeom prst="rect">
+            <a:avLst/>
+          </a:prstGeom>
+        </p:spPr>
+        <p:style>
+          <a:lnRef idx="2">
+            <a:schemeClr val="dk1"/>
+          </a:lnRef>
+          <a:fillRef idx="1">
+            <a:schemeClr val="lt1"/>
+          </a:fillRef>
+          <a:effectRef idx="0">
+            <a:schemeClr val="dk1"/>
+          </a:effectRef>
+          <a:fontRef idx="minor">
+            <a:schemeClr val="dk1"/>
+          </a:fontRef>
+        </p:style>
+        <p:txBody>
+          <a:bodyPr rtlCol="0" anchor="ctr"/>
+          <a:lstStyle/>
+          <a:p>
+            <a:pPr algn="ctr"/>
+            <a:r>
+              <a:rPr lang="en-US" altLang="zh-CN" dirty="0"/>
+              <a:t>Weights</a:t>
+            </a:r>
+            <a:endParaRPr lang="zh-CN" altLang="en-US" dirty="0"/>
+          </a:p>
+        </p:txBody>
+      </p:sp>
+      <p:sp>
+        <p:nvSpPr>
+          <p:cNvPr id="13" name="Rectangle 12">
+            <a:extLst>
+              <a:ext uri="{FF2B5EF4-FFF2-40B4-BE49-F238E27FC236}">
+                <a16:creationId xmlns:a16="http://schemas.microsoft.com/office/drawing/2014/main" id="{374E2C7B-93AB-4455-A069-55F70EE5712A}"/>
+              </a:ext>
+            </a:extLst>
+          </p:cNvPr>
+          <p:cNvSpPr/>
+          <p:nvPr/>
+        </p:nvSpPr>
+        <p:spPr>
+          <a:xfrm>
+            <a:off x="7768583" y="4674926"/>
+            <a:ext cx="1157151" cy="635726"/>
+          </a:xfrm>
+          <a:prstGeom prst="rect">
+            <a:avLst/>
+          </a:prstGeom>
+        </p:spPr>
+        <p:style>
+          <a:lnRef idx="2">
+            <a:schemeClr val="dk1"/>
+          </a:lnRef>
+          <a:fillRef idx="1">
+            <a:schemeClr val="lt1"/>
+          </a:fillRef>
+          <a:effectRef idx="0">
+            <a:schemeClr val="dk1"/>
+          </a:effectRef>
+          <a:fontRef idx="minor">
+            <a:schemeClr val="dk1"/>
+          </a:fontRef>
+        </p:style>
+        <p:txBody>
+          <a:bodyPr rtlCol="0" anchor="ctr"/>
+          <a:lstStyle/>
+          <a:p>
+            <a:pPr algn="ctr"/>
+            <a:r>
+              <a:rPr lang="en-US" altLang="zh-CN" sz="1600" dirty="0"/>
+              <a:t>Activations</a:t>
+            </a:r>
+            <a:endParaRPr lang="zh-CN" altLang="en-US" sz="1600" dirty="0"/>
+          </a:p>
+        </p:txBody>
+      </p:sp>
+      <p:sp>
+        <p:nvSpPr>
+          <p:cNvPr id="16" name="TextBox 15">
+            <a:extLst>
+              <a:ext uri="{FF2B5EF4-FFF2-40B4-BE49-F238E27FC236}">
+                <a16:creationId xmlns:a16="http://schemas.microsoft.com/office/drawing/2014/main" id="{2A9BD02F-EEDA-4090-8534-2E9CA9C0997D}"/>
+              </a:ext>
+            </a:extLst>
+          </p:cNvPr>
+          <p:cNvSpPr txBox="1"/>
+          <p:nvPr/>
+        </p:nvSpPr>
+        <p:spPr>
+          <a:xfrm>
+            <a:off x="592186" y="4674926"/>
+            <a:ext cx="870858" cy="369332"/>
+          </a:xfrm>
+          <a:prstGeom prst="rect">
+            <a:avLst/>
+          </a:prstGeom>
+          <a:noFill/>
+        </p:spPr>
+        <p:txBody>
+          <a:bodyPr wrap="square" rtlCol="0">
+            <a:spAutoFit/>
+          </a:bodyPr>
+          <a:lstStyle/>
+          <a:p>
+            <a:pPr algn="ctr"/>
+            <a:r>
+              <a:rPr lang="en-US" altLang="zh-CN" dirty="0"/>
+              <a:t>BRAM</a:t>
+            </a:r>
+            <a:endParaRPr lang="zh-CN" altLang="en-US" dirty="0"/>
+          </a:p>
+        </p:txBody>
+      </p:sp>
+      <p:sp>
+        <p:nvSpPr>
+          <p:cNvPr id="18" name="TextBox 17">
+            <a:extLst>
+              <a:ext uri="{FF2B5EF4-FFF2-40B4-BE49-F238E27FC236}">
+                <a16:creationId xmlns:a16="http://schemas.microsoft.com/office/drawing/2014/main" id="{C1EE2AAF-C3DC-4E3C-9FEA-FBEB780AAC09}"/>
+              </a:ext>
+            </a:extLst>
+          </p:cNvPr>
+          <p:cNvSpPr txBox="1"/>
+          <p:nvPr/>
+        </p:nvSpPr>
+        <p:spPr>
+          <a:xfrm>
+            <a:off x="7911729" y="4340946"/>
+            <a:ext cx="870858" cy="369332"/>
+          </a:xfrm>
+          <a:prstGeom prst="rect">
+            <a:avLst/>
+          </a:prstGeom>
+          <a:noFill/>
+        </p:spPr>
+        <p:txBody>
+          <a:bodyPr wrap="square" rtlCol="0">
+            <a:spAutoFit/>
+          </a:bodyPr>
+          <a:lstStyle/>
+          <a:p>
+            <a:pPr algn="ctr"/>
+            <a:r>
+              <a:rPr lang="en-US" altLang="zh-CN" dirty="0"/>
+              <a:t>BRAM</a:t>
+            </a:r>
+            <a:endParaRPr lang="zh-CN" altLang="en-US" dirty="0"/>
+          </a:p>
+        </p:txBody>
+      </p:sp>
+      <p:sp>
+        <p:nvSpPr>
+          <p:cNvPr id="19" name="TextBox 18">
+            <a:extLst>
+              <a:ext uri="{FF2B5EF4-FFF2-40B4-BE49-F238E27FC236}">
+                <a16:creationId xmlns:a16="http://schemas.microsoft.com/office/drawing/2014/main" id="{D8A70544-2171-4341-AA36-C9E8F3537B7C}"/>
+              </a:ext>
+            </a:extLst>
+          </p:cNvPr>
+          <p:cNvSpPr txBox="1"/>
+          <p:nvPr/>
+        </p:nvSpPr>
+        <p:spPr>
+          <a:xfrm>
+            <a:off x="9659983" y="4584738"/>
+            <a:ext cx="870858" cy="369332"/>
+          </a:xfrm>
+          <a:prstGeom prst="rect">
+            <a:avLst/>
+          </a:prstGeom>
+          <a:noFill/>
+        </p:spPr>
+        <p:txBody>
+          <a:bodyPr wrap="square" rtlCol="0">
+            <a:spAutoFit/>
+          </a:bodyPr>
+          <a:lstStyle/>
+          <a:p>
+            <a:pPr algn="ctr"/>
+            <a:r>
+              <a:rPr lang="en-US" altLang="zh-CN" dirty="0"/>
+              <a:t>BRAM</a:t>
+            </a:r>
+            <a:endParaRPr lang="zh-CN" altLang="en-US" dirty="0"/>
+          </a:p>
+        </p:txBody>
+      </p:sp>
+      <p:sp>
+        <p:nvSpPr>
+          <p:cNvPr id="20" name="Rectangle 19">
+            <a:extLst>
+              <a:ext uri="{FF2B5EF4-FFF2-40B4-BE49-F238E27FC236}">
+                <a16:creationId xmlns:a16="http://schemas.microsoft.com/office/drawing/2014/main" id="{B0528C0B-A0BA-4755-8C55-BECF02106BF8}"/>
+              </a:ext>
+            </a:extLst>
+          </p:cNvPr>
+          <p:cNvSpPr/>
+          <p:nvPr/>
+        </p:nvSpPr>
+        <p:spPr>
+          <a:xfrm>
+            <a:off x="5870118" y="3880847"/>
+            <a:ext cx="1480457" cy="2224859"/>
           </a:xfrm>
           <a:prstGeom prst="rect">
             <a:avLst/>
@@ -3754,10 +3964,10 @@
       </p:sp>
       <p:sp>
         <p:nvSpPr>
-          <p:cNvPr id="6" name="Rectangle 5">
-            <a:extLst>
-              <a:ext uri="{FF2B5EF4-FFF2-40B4-BE49-F238E27FC236}">
-                <a16:creationId xmlns:a16="http://schemas.microsoft.com/office/drawing/2014/main" id="{182E4114-7ED4-4798-A879-1361F1B9AD61}"/>
+          <p:cNvPr id="21" name="Rectangle 20">
+            <a:extLst>
+              <a:ext uri="{FF2B5EF4-FFF2-40B4-BE49-F238E27FC236}">
+                <a16:creationId xmlns:a16="http://schemas.microsoft.com/office/drawing/2014/main" id="{9BAA503E-6AA7-4CB0-987D-6E93039308BD}"/>
               </a:ext>
             </a:extLst>
           </p:cNvPr>
@@ -3766,8 +3976,178 @@
         </p:nvSpPr>
         <p:spPr>
           <a:xfrm>
-            <a:off x="10761615" y="1793966"/>
-            <a:ext cx="757646" cy="1715588"/>
+            <a:off x="6100894" y="4942719"/>
+            <a:ext cx="1018902" cy="928252"/>
+          </a:xfrm>
+          <a:prstGeom prst="rect">
+            <a:avLst/>
+          </a:prstGeom>
+        </p:spPr>
+        <p:style>
+          <a:lnRef idx="2">
+            <a:schemeClr val="dk1"/>
+          </a:lnRef>
+          <a:fillRef idx="1">
+            <a:schemeClr val="lt1"/>
+          </a:fillRef>
+          <a:effectRef idx="0">
+            <a:schemeClr val="dk1"/>
+          </a:effectRef>
+          <a:fontRef idx="minor">
+            <a:schemeClr val="dk1"/>
+          </a:fontRef>
+        </p:style>
+        <p:txBody>
+          <a:bodyPr rtlCol="0" anchor="ctr"/>
+          <a:lstStyle/>
+          <a:p>
+            <a:pPr algn="ctr"/>
+            <a:r>
+              <a:rPr lang="en-US" altLang="zh-CN" dirty="0"/>
+              <a:t>Weights</a:t>
+            </a:r>
+            <a:endParaRPr lang="zh-CN" altLang="en-US" dirty="0"/>
+          </a:p>
+        </p:txBody>
+      </p:sp>
+      <p:sp>
+        <p:nvSpPr>
+          <p:cNvPr id="22" name="Rectangle 21">
+            <a:extLst>
+              <a:ext uri="{FF2B5EF4-FFF2-40B4-BE49-F238E27FC236}">
+                <a16:creationId xmlns:a16="http://schemas.microsoft.com/office/drawing/2014/main" id="{773963B9-6AB6-4A36-831B-24F127025576}"/>
+              </a:ext>
+            </a:extLst>
+          </p:cNvPr>
+          <p:cNvSpPr/>
+          <p:nvPr/>
+        </p:nvSpPr>
+        <p:spPr>
+          <a:xfrm>
+            <a:off x="4293595" y="4674926"/>
+            <a:ext cx="1157151" cy="635726"/>
+          </a:xfrm>
+          <a:prstGeom prst="rect">
+            <a:avLst/>
+          </a:prstGeom>
+        </p:spPr>
+        <p:style>
+          <a:lnRef idx="2">
+            <a:schemeClr val="dk1"/>
+          </a:lnRef>
+          <a:fillRef idx="1">
+            <a:schemeClr val="lt1"/>
+          </a:fillRef>
+          <a:effectRef idx="0">
+            <a:schemeClr val="dk1"/>
+          </a:effectRef>
+          <a:fontRef idx="minor">
+            <a:schemeClr val="dk1"/>
+          </a:fontRef>
+        </p:style>
+        <p:txBody>
+          <a:bodyPr rtlCol="0" anchor="ctr"/>
+          <a:lstStyle/>
+          <a:p>
+            <a:pPr algn="ctr"/>
+            <a:r>
+              <a:rPr lang="en-US" altLang="zh-CN" sz="1600" dirty="0"/>
+              <a:t>Activations</a:t>
+            </a:r>
+            <a:endParaRPr lang="zh-CN" altLang="en-US" sz="1600" dirty="0"/>
+          </a:p>
+        </p:txBody>
+      </p:sp>
+      <p:sp>
+        <p:nvSpPr>
+          <p:cNvPr id="23" name="TextBox 22">
+            <a:extLst>
+              <a:ext uri="{FF2B5EF4-FFF2-40B4-BE49-F238E27FC236}">
+                <a16:creationId xmlns:a16="http://schemas.microsoft.com/office/drawing/2014/main" id="{271F238F-43FF-4396-9149-2F3DD96F5A39}"/>
+              </a:ext>
+            </a:extLst>
+          </p:cNvPr>
+          <p:cNvSpPr txBox="1"/>
+          <p:nvPr/>
+        </p:nvSpPr>
+        <p:spPr>
+          <a:xfrm>
+            <a:off x="4338222" y="4328664"/>
+            <a:ext cx="870858" cy="369332"/>
+          </a:xfrm>
+          <a:prstGeom prst="rect">
+            <a:avLst/>
+          </a:prstGeom>
+          <a:noFill/>
+        </p:spPr>
+        <p:txBody>
+          <a:bodyPr wrap="square" rtlCol="0">
+            <a:spAutoFit/>
+          </a:bodyPr>
+          <a:lstStyle/>
+          <a:p>
+            <a:pPr algn="ctr"/>
+            <a:r>
+              <a:rPr lang="en-US" altLang="zh-CN" dirty="0"/>
+              <a:t>BRAM</a:t>
+            </a:r>
+            <a:endParaRPr lang="zh-CN" altLang="en-US" dirty="0"/>
+          </a:p>
+        </p:txBody>
+      </p:sp>
+      <p:sp>
+        <p:nvSpPr>
+          <p:cNvPr id="24" name="TextBox 23">
+            <a:extLst>
+              <a:ext uri="{FF2B5EF4-FFF2-40B4-BE49-F238E27FC236}">
+                <a16:creationId xmlns:a16="http://schemas.microsoft.com/office/drawing/2014/main" id="{721EBF84-3926-455D-BABA-346C15F5A2E4}"/>
+              </a:ext>
+            </a:extLst>
+          </p:cNvPr>
+          <p:cNvSpPr txBox="1"/>
+          <p:nvPr/>
+        </p:nvSpPr>
+        <p:spPr>
+          <a:xfrm>
+            <a:off x="6159678" y="4584738"/>
+            <a:ext cx="870858" cy="369332"/>
+          </a:xfrm>
+          <a:prstGeom prst="rect">
+            <a:avLst/>
+          </a:prstGeom>
+          <a:noFill/>
+        </p:spPr>
+        <p:txBody>
+          <a:bodyPr wrap="square" rtlCol="0">
+            <a:spAutoFit/>
+          </a:bodyPr>
+          <a:lstStyle/>
+          <a:p>
+            <a:pPr algn="ctr"/>
+            <a:r>
+              <a:rPr lang="en-US" altLang="zh-CN" dirty="0"/>
+              <a:t>BRAM</a:t>
+            </a:r>
+            <a:endParaRPr lang="zh-CN" altLang="en-US" dirty="0"/>
+          </a:p>
+        </p:txBody>
+      </p:sp>
+      <p:sp>
+        <p:nvSpPr>
+          <p:cNvPr id="25" name="Rectangle 24">
+            <a:extLst>
+              <a:ext uri="{FF2B5EF4-FFF2-40B4-BE49-F238E27FC236}">
+                <a16:creationId xmlns:a16="http://schemas.microsoft.com/office/drawing/2014/main" id="{3748E3BB-03E7-4A75-9F48-A221F4D831FC}"/>
+              </a:ext>
+            </a:extLst>
+          </p:cNvPr>
+          <p:cNvSpPr/>
+          <p:nvPr/>
+        </p:nvSpPr>
+        <p:spPr>
+          <a:xfrm>
+            <a:off x="2371179" y="3880847"/>
+            <a:ext cx="1480457" cy="2224859"/>
           </a:xfrm>
           <a:prstGeom prst="rect">
             <a:avLst/>
@@ -3802,10 +4182,10 @@
       </p:sp>
       <p:sp>
         <p:nvSpPr>
-          <p:cNvPr id="8" name="Rectangle 7">
-            <a:extLst>
-              <a:ext uri="{FF2B5EF4-FFF2-40B4-BE49-F238E27FC236}">
-                <a16:creationId xmlns:a16="http://schemas.microsoft.com/office/drawing/2014/main" id="{355E95BF-6ACC-497F-8BFB-DECC7D456732}"/>
+          <p:cNvPr id="26" name="Rectangle 25">
+            <a:extLst>
+              <a:ext uri="{FF2B5EF4-FFF2-40B4-BE49-F238E27FC236}">
+                <a16:creationId xmlns:a16="http://schemas.microsoft.com/office/drawing/2014/main" id="{94613D4D-4459-4CE1-BDA2-65DCCFBCC053}"/>
               </a:ext>
             </a:extLst>
           </p:cNvPr>
@@ -3814,8 +4194,8 @@
         </p:nvSpPr>
         <p:spPr>
           <a:xfrm>
-            <a:off x="6470469" y="2351314"/>
-            <a:ext cx="757646" cy="635726"/>
+            <a:off x="2601955" y="4942719"/>
+            <a:ext cx="1018902" cy="928252"/>
           </a:xfrm>
           <a:prstGeom prst="rect">
             <a:avLst/>
@@ -3842,7 +4222,7 @@
             <a:pPr algn="ctr"/>
             <a:r>
               <a:rPr lang="en-US" altLang="zh-CN" dirty="0"/>
-              <a:t>Input</a:t>
+              <a:t>Weights</a:t>
             </a:r>
             <a:endParaRPr lang="zh-CN" altLang="en-US" dirty="0"/>
           </a:p>
@@ -3850,10 +4230,10 @@
       </p:sp>
       <p:sp>
         <p:nvSpPr>
-          <p:cNvPr id="9" name="Rectangle 8">
-            <a:extLst>
-              <a:ext uri="{FF2B5EF4-FFF2-40B4-BE49-F238E27FC236}">
-                <a16:creationId xmlns:a16="http://schemas.microsoft.com/office/drawing/2014/main" id="{23AAE2F1-50D5-48AF-A57A-D6B372846540}"/>
+          <p:cNvPr id="27" name="Rectangle 26">
+            <a:extLst>
+              <a:ext uri="{FF2B5EF4-FFF2-40B4-BE49-F238E27FC236}">
+                <a16:creationId xmlns:a16="http://schemas.microsoft.com/office/drawing/2014/main" id="{23B6FAFA-C4DD-4330-A3E8-179C5D7849DA}"/>
               </a:ext>
             </a:extLst>
           </p:cNvPr>
@@ -3862,8 +4242,8 @@
         </p:nvSpPr>
         <p:spPr>
           <a:xfrm>
-            <a:off x="7637417" y="2730139"/>
-            <a:ext cx="705393" cy="635726"/>
+            <a:off x="672193" y="4674926"/>
+            <a:ext cx="1157151" cy="635726"/>
           </a:xfrm>
           <a:prstGeom prst="rect">
             <a:avLst/>
@@ -3889,152 +4269,8 @@
           <a:p>
             <a:pPr algn="ctr"/>
             <a:r>
-              <a:rPr lang="en-US" altLang="zh-CN" sz="1200" dirty="0"/>
-              <a:t>Weights</a:t>
-            </a:r>
-            <a:endParaRPr lang="zh-CN" altLang="en-US" sz="1200" dirty="0"/>
-          </a:p>
-        </p:txBody>
-      </p:sp>
-      <p:sp>
-        <p:nvSpPr>
-          <p:cNvPr id="10" name="Rectangle 9">
-            <a:extLst>
-              <a:ext uri="{FF2B5EF4-FFF2-40B4-BE49-F238E27FC236}">
-                <a16:creationId xmlns:a16="http://schemas.microsoft.com/office/drawing/2014/main" id="{6B6B6154-37C4-4769-A21A-07D96FD34633}"/>
-              </a:ext>
-            </a:extLst>
-          </p:cNvPr>
-          <p:cNvSpPr/>
-          <p:nvPr/>
-        </p:nvSpPr>
-        <p:spPr>
-          <a:xfrm>
-            <a:off x="9212582" y="2793274"/>
-            <a:ext cx="705393" cy="635726"/>
-          </a:xfrm>
-          <a:prstGeom prst="rect">
-            <a:avLst/>
-          </a:prstGeom>
-        </p:spPr>
-        <p:style>
-          <a:lnRef idx="2">
-            <a:schemeClr val="dk1"/>
-          </a:lnRef>
-          <a:fillRef idx="1">
-            <a:schemeClr val="lt1"/>
-          </a:fillRef>
-          <a:effectRef idx="0">
-            <a:schemeClr val="dk1"/>
-          </a:effectRef>
-          <a:fontRef idx="minor">
-            <a:schemeClr val="dk1"/>
-          </a:fontRef>
-        </p:style>
-        <p:txBody>
-          <a:bodyPr rtlCol="0" anchor="ctr"/>
-          <a:lstStyle/>
-          <a:p>
-            <a:pPr algn="ctr"/>
-            <a:r>
-              <a:rPr lang="en-US" altLang="zh-CN" sz="1200" dirty="0"/>
-              <a:t>Weights</a:t>
-            </a:r>
-            <a:endParaRPr lang="zh-CN" altLang="en-US" sz="1200" dirty="0"/>
-          </a:p>
-        </p:txBody>
-      </p:sp>
-      <p:sp>
-        <p:nvSpPr>
-          <p:cNvPr id="11" name="Rectangle 10">
-            <a:extLst>
-              <a:ext uri="{FF2B5EF4-FFF2-40B4-BE49-F238E27FC236}">
-                <a16:creationId xmlns:a16="http://schemas.microsoft.com/office/drawing/2014/main" id="{50CB0A37-7CAB-40A9-8D16-7ACA0D9FCB98}"/>
-              </a:ext>
-            </a:extLst>
-          </p:cNvPr>
-          <p:cNvSpPr/>
-          <p:nvPr/>
-        </p:nvSpPr>
-        <p:spPr>
-          <a:xfrm>
-            <a:off x="10787741" y="2793274"/>
-            <a:ext cx="705393" cy="635726"/>
-          </a:xfrm>
-          <a:prstGeom prst="rect">
-            <a:avLst/>
-          </a:prstGeom>
-        </p:spPr>
-        <p:style>
-          <a:lnRef idx="2">
-            <a:schemeClr val="dk1"/>
-          </a:lnRef>
-          <a:fillRef idx="1">
-            <a:schemeClr val="lt1"/>
-          </a:fillRef>
-          <a:effectRef idx="0">
-            <a:schemeClr val="dk1"/>
-          </a:effectRef>
-          <a:fontRef idx="minor">
-            <a:schemeClr val="dk1"/>
-          </a:fontRef>
-        </p:style>
-        <p:txBody>
-          <a:bodyPr rtlCol="0" anchor="ctr"/>
-          <a:lstStyle/>
-          <a:p>
-            <a:pPr algn="ctr"/>
-            <a:r>
-              <a:rPr lang="en-US" altLang="zh-CN" sz="1200" dirty="0"/>
-              <a:t>Weights</a:t>
-            </a:r>
-            <a:endParaRPr lang="zh-CN" altLang="en-US" sz="1200" dirty="0"/>
-          </a:p>
-        </p:txBody>
-      </p:sp>
-      <p:sp>
-        <p:nvSpPr>
-          <p:cNvPr id="12" name="Rectangle 11">
-            <a:extLst>
-              <a:ext uri="{FF2B5EF4-FFF2-40B4-BE49-F238E27FC236}">
-                <a16:creationId xmlns:a16="http://schemas.microsoft.com/office/drawing/2014/main" id="{9A8ACC6D-D5C8-489F-B756-AA8E48CEADC7}"/>
-              </a:ext>
-            </a:extLst>
-          </p:cNvPr>
-          <p:cNvSpPr/>
-          <p:nvPr/>
-        </p:nvSpPr>
-        <p:spPr>
-          <a:xfrm>
-            <a:off x="8425543" y="2333897"/>
-            <a:ext cx="705393" cy="635726"/>
-          </a:xfrm>
-          <a:prstGeom prst="rect">
-            <a:avLst/>
-          </a:prstGeom>
-        </p:spPr>
-        <p:style>
-          <a:lnRef idx="2">
-            <a:schemeClr val="dk1"/>
-          </a:lnRef>
-          <a:fillRef idx="1">
-            <a:schemeClr val="lt1"/>
-          </a:fillRef>
-          <a:effectRef idx="0">
-            <a:schemeClr val="dk1"/>
-          </a:effectRef>
-          <a:fontRef idx="minor">
-            <a:schemeClr val="dk1"/>
-          </a:fontRef>
-        </p:style>
-        <p:txBody>
-          <a:bodyPr rtlCol="0" anchor="ctr"/>
-          <a:lstStyle/>
-          <a:p>
-            <a:pPr algn="ctr"/>
-            <a:r>
               <a:rPr lang="en-US" altLang="zh-CN" sz="1600" dirty="0"/>
-              <a:t>Activations</a:t>
+              <a:t>Input</a:t>
             </a:r>
             <a:endParaRPr lang="zh-CN" altLang="en-US" sz="1600" dirty="0"/>
           </a:p>
@@ -4042,58 +4278,10 @@
       </p:sp>
       <p:sp>
         <p:nvSpPr>
-          <p:cNvPr id="13" name="Rectangle 12">
-            <a:extLst>
-              <a:ext uri="{FF2B5EF4-FFF2-40B4-BE49-F238E27FC236}">
-                <a16:creationId xmlns:a16="http://schemas.microsoft.com/office/drawing/2014/main" id="{374E2C7B-93AB-4455-A069-55F70EE5712A}"/>
-              </a:ext>
-            </a:extLst>
-          </p:cNvPr>
-          <p:cNvSpPr/>
-          <p:nvPr/>
-        </p:nvSpPr>
-        <p:spPr>
-          <a:xfrm>
-            <a:off x="9998528" y="2333897"/>
-            <a:ext cx="705393" cy="635726"/>
-          </a:xfrm>
-          <a:prstGeom prst="rect">
-            <a:avLst/>
-          </a:prstGeom>
-        </p:spPr>
-        <p:style>
-          <a:lnRef idx="2">
-            <a:schemeClr val="dk1"/>
-          </a:lnRef>
-          <a:fillRef idx="1">
-            <a:schemeClr val="lt1"/>
-          </a:fillRef>
-          <a:effectRef idx="0">
-            <a:schemeClr val="dk1"/>
-          </a:effectRef>
-          <a:fontRef idx="minor">
-            <a:schemeClr val="dk1"/>
-          </a:fontRef>
-        </p:style>
-        <p:txBody>
-          <a:bodyPr rtlCol="0" anchor="ctr"/>
-          <a:lstStyle/>
-          <a:p>
-            <a:pPr algn="ctr"/>
-            <a:r>
-              <a:rPr lang="en-US" altLang="zh-CN" sz="1600" dirty="0"/>
-              <a:t>Activations</a:t>
-            </a:r>
-            <a:endParaRPr lang="zh-CN" altLang="en-US" sz="1600" dirty="0"/>
-          </a:p>
-        </p:txBody>
-      </p:sp>
-      <p:sp>
-        <p:nvSpPr>
-          <p:cNvPr id="14" name="TextBox 13">
-            <a:extLst>
-              <a:ext uri="{FF2B5EF4-FFF2-40B4-BE49-F238E27FC236}">
-                <a16:creationId xmlns:a16="http://schemas.microsoft.com/office/drawing/2014/main" id="{05523A17-6053-4D22-8C70-A00795BFE8B8}"/>
+          <p:cNvPr id="28" name="TextBox 27">
+            <a:extLst>
+              <a:ext uri="{FF2B5EF4-FFF2-40B4-BE49-F238E27FC236}">
+                <a16:creationId xmlns:a16="http://schemas.microsoft.com/office/drawing/2014/main" id="{C8D6980F-C4E5-4331-BE2B-4111F0C08B63}"/>
               </a:ext>
             </a:extLst>
           </p:cNvPr>
@@ -4102,7 +4290,7 @@
         </p:nvSpPr>
         <p:spPr>
           <a:xfrm>
-            <a:off x="8342810" y="2031666"/>
+            <a:off x="851534" y="4340946"/>
             <a:ext cx="870858" cy="369332"/>
           </a:xfrm>
           <a:prstGeom prst="rect">
@@ -4127,10 +4315,10 @@
       </p:sp>
       <p:sp>
         <p:nvSpPr>
-          <p:cNvPr id="15" name="TextBox 14">
-            <a:extLst>
-              <a:ext uri="{FF2B5EF4-FFF2-40B4-BE49-F238E27FC236}">
-                <a16:creationId xmlns:a16="http://schemas.microsoft.com/office/drawing/2014/main" id="{41B27D55-38EB-4660-9F93-C69782E5D729}"/>
+          <p:cNvPr id="29" name="TextBox 28">
+            <a:extLst>
+              <a:ext uri="{FF2B5EF4-FFF2-40B4-BE49-F238E27FC236}">
+                <a16:creationId xmlns:a16="http://schemas.microsoft.com/office/drawing/2014/main" id="{4BEC296B-8849-4AC2-A3FE-58791ADAFBD5}"/>
               </a:ext>
             </a:extLst>
           </p:cNvPr>
@@ -4139,7 +4327,7 @@
         </p:nvSpPr>
         <p:spPr>
           <a:xfrm>
-            <a:off x="7554685" y="2423942"/>
+            <a:off x="2660739" y="4584738"/>
             <a:ext cx="870858" cy="369332"/>
           </a:xfrm>
           <a:prstGeom prst="rect">
@@ -4162,12 +4350,241 @@
           </a:p>
         </p:txBody>
       </p:sp>
-      <p:sp>
-        <p:nvSpPr>
-          <p:cNvPr id="16" name="TextBox 15">
-            <a:extLst>
-              <a:ext uri="{FF2B5EF4-FFF2-40B4-BE49-F238E27FC236}">
-                <a16:creationId xmlns:a16="http://schemas.microsoft.com/office/drawing/2014/main" id="{2A9BD02F-EEDA-4090-8534-2E9CA9C0997D}"/>
+      <p:cxnSp>
+        <p:nvCxnSpPr>
+          <p:cNvPr id="31" name="Straight Arrow Connector 30">
+            <a:extLst>
+              <a:ext uri="{FF2B5EF4-FFF2-40B4-BE49-F238E27FC236}">
+                <a16:creationId xmlns:a16="http://schemas.microsoft.com/office/drawing/2014/main" id="{E8B5B8E3-DA5D-4D1B-810D-1C71D25EFF27}"/>
+              </a:ext>
+            </a:extLst>
+          </p:cNvPr>
+          <p:cNvCxnSpPr>
+            <a:stCxn id="27" idx="3"/>
+            <a:endCxn id="25" idx="1"/>
+          </p:cNvCxnSpPr>
+          <p:nvPr/>
+        </p:nvCxnSpPr>
+        <p:spPr>
+          <a:xfrm>
+            <a:off x="1829344" y="4992789"/>
+            <a:ext cx="541835" cy="488"/>
+          </a:xfrm>
+          <a:prstGeom prst="straightConnector1">
+            <a:avLst/>
+          </a:prstGeom>
+          <a:ln w="38100">
+            <a:solidFill>
+              <a:schemeClr val="tx1"/>
+            </a:solidFill>
+            <a:tailEnd type="triangle"/>
+          </a:ln>
+        </p:spPr>
+        <p:style>
+          <a:lnRef idx="1">
+            <a:schemeClr val="accent1"/>
+          </a:lnRef>
+          <a:fillRef idx="0">
+            <a:schemeClr val="accent1"/>
+          </a:fillRef>
+          <a:effectRef idx="0">
+            <a:schemeClr val="accent1"/>
+          </a:effectRef>
+          <a:fontRef idx="minor">
+            <a:schemeClr val="tx1"/>
+          </a:fontRef>
+        </p:style>
+      </p:cxnSp>
+      <p:cxnSp>
+        <p:nvCxnSpPr>
+          <p:cNvPr id="33" name="Straight Arrow Connector 32">
+            <a:extLst>
+              <a:ext uri="{FF2B5EF4-FFF2-40B4-BE49-F238E27FC236}">
+                <a16:creationId xmlns:a16="http://schemas.microsoft.com/office/drawing/2014/main" id="{B7C0CC74-FDF9-44C6-A792-41778747EF2D}"/>
+              </a:ext>
+            </a:extLst>
+          </p:cNvPr>
+          <p:cNvCxnSpPr>
+            <a:cxnSpLocks/>
+            <a:stCxn id="25" idx="3"/>
+            <a:endCxn id="22" idx="1"/>
+          </p:cNvCxnSpPr>
+          <p:nvPr/>
+        </p:nvCxnSpPr>
+        <p:spPr>
+          <a:xfrm flipV="1">
+            <a:off x="3851636" y="4992789"/>
+            <a:ext cx="441959" cy="488"/>
+          </a:xfrm>
+          <a:prstGeom prst="straightConnector1">
+            <a:avLst/>
+          </a:prstGeom>
+          <a:ln w="38100">
+            <a:solidFill>
+              <a:schemeClr val="tx1"/>
+            </a:solidFill>
+            <a:tailEnd type="triangle"/>
+          </a:ln>
+        </p:spPr>
+        <p:style>
+          <a:lnRef idx="1">
+            <a:schemeClr val="accent1"/>
+          </a:lnRef>
+          <a:fillRef idx="0">
+            <a:schemeClr val="accent1"/>
+          </a:fillRef>
+          <a:effectRef idx="0">
+            <a:schemeClr val="accent1"/>
+          </a:effectRef>
+          <a:fontRef idx="minor">
+            <a:schemeClr val="tx1"/>
+          </a:fontRef>
+        </p:style>
+      </p:cxnSp>
+      <p:cxnSp>
+        <p:nvCxnSpPr>
+          <p:cNvPr id="38" name="Straight Arrow Connector 37">
+            <a:extLst>
+              <a:ext uri="{FF2B5EF4-FFF2-40B4-BE49-F238E27FC236}">
+                <a16:creationId xmlns:a16="http://schemas.microsoft.com/office/drawing/2014/main" id="{CB2C3C34-AFC0-4350-BDB1-D5448F0E25B2}"/>
+              </a:ext>
+            </a:extLst>
+          </p:cNvPr>
+          <p:cNvCxnSpPr>
+            <a:cxnSpLocks/>
+            <a:stCxn id="22" idx="3"/>
+            <a:endCxn id="20" idx="1"/>
+          </p:cNvCxnSpPr>
+          <p:nvPr/>
+        </p:nvCxnSpPr>
+        <p:spPr>
+          <a:xfrm>
+            <a:off x="5450746" y="4992789"/>
+            <a:ext cx="419372" cy="488"/>
+          </a:xfrm>
+          <a:prstGeom prst="straightConnector1">
+            <a:avLst/>
+          </a:prstGeom>
+          <a:ln w="38100">
+            <a:solidFill>
+              <a:schemeClr val="tx1"/>
+            </a:solidFill>
+            <a:tailEnd type="triangle"/>
+          </a:ln>
+        </p:spPr>
+        <p:style>
+          <a:lnRef idx="1">
+            <a:schemeClr val="accent1"/>
+          </a:lnRef>
+          <a:fillRef idx="0">
+            <a:schemeClr val="accent1"/>
+          </a:fillRef>
+          <a:effectRef idx="0">
+            <a:schemeClr val="accent1"/>
+          </a:effectRef>
+          <a:fontRef idx="minor">
+            <a:schemeClr val="tx1"/>
+          </a:fontRef>
+        </p:style>
+      </p:cxnSp>
+      <p:cxnSp>
+        <p:nvCxnSpPr>
+          <p:cNvPr id="43" name="Straight Arrow Connector 42">
+            <a:extLst>
+              <a:ext uri="{FF2B5EF4-FFF2-40B4-BE49-F238E27FC236}">
+                <a16:creationId xmlns:a16="http://schemas.microsoft.com/office/drawing/2014/main" id="{2721AC4B-5275-4E22-84F0-99DC4F547057}"/>
+              </a:ext>
+            </a:extLst>
+          </p:cNvPr>
+          <p:cNvCxnSpPr>
+            <a:cxnSpLocks/>
+            <a:stCxn id="20" idx="3"/>
+            <a:endCxn id="13" idx="1"/>
+          </p:cNvCxnSpPr>
+          <p:nvPr/>
+        </p:nvCxnSpPr>
+        <p:spPr>
+          <a:xfrm flipV="1">
+            <a:off x="7350575" y="4992789"/>
+            <a:ext cx="418008" cy="488"/>
+          </a:xfrm>
+          <a:prstGeom prst="straightConnector1">
+            <a:avLst/>
+          </a:prstGeom>
+          <a:ln w="38100">
+            <a:solidFill>
+              <a:schemeClr val="tx1"/>
+            </a:solidFill>
+            <a:tailEnd type="triangle"/>
+          </a:ln>
+        </p:spPr>
+        <p:style>
+          <a:lnRef idx="1">
+            <a:schemeClr val="accent1"/>
+          </a:lnRef>
+          <a:fillRef idx="0">
+            <a:schemeClr val="accent1"/>
+          </a:fillRef>
+          <a:effectRef idx="0">
+            <a:schemeClr val="accent1"/>
+          </a:effectRef>
+          <a:fontRef idx="minor">
+            <a:schemeClr val="tx1"/>
+          </a:fontRef>
+        </p:style>
+      </p:cxnSp>
+      <p:cxnSp>
+        <p:nvCxnSpPr>
+          <p:cNvPr id="44" name="Straight Arrow Connector 43">
+            <a:extLst>
+              <a:ext uri="{FF2B5EF4-FFF2-40B4-BE49-F238E27FC236}">
+                <a16:creationId xmlns:a16="http://schemas.microsoft.com/office/drawing/2014/main" id="{D9BFE5AA-2AFE-4024-81C4-31A82243F516}"/>
+              </a:ext>
+            </a:extLst>
+          </p:cNvPr>
+          <p:cNvCxnSpPr>
+            <a:cxnSpLocks/>
+            <a:stCxn id="13" idx="3"/>
+            <a:endCxn id="6" idx="1"/>
+          </p:cNvCxnSpPr>
+          <p:nvPr/>
+        </p:nvCxnSpPr>
+        <p:spPr>
+          <a:xfrm>
+            <a:off x="8925734" y="4992789"/>
+            <a:ext cx="444689" cy="488"/>
+          </a:xfrm>
+          <a:prstGeom prst="straightConnector1">
+            <a:avLst/>
+          </a:prstGeom>
+          <a:ln w="38100">
+            <a:solidFill>
+              <a:schemeClr val="tx1"/>
+            </a:solidFill>
+            <a:tailEnd type="triangle"/>
+          </a:ln>
+        </p:spPr>
+        <p:style>
+          <a:lnRef idx="1">
+            <a:schemeClr val="accent1"/>
+          </a:lnRef>
+          <a:fillRef idx="0">
+            <a:schemeClr val="accent1"/>
+          </a:fillRef>
+          <a:effectRef idx="0">
+            <a:schemeClr val="accent1"/>
+          </a:effectRef>
+          <a:fontRef idx="minor">
+            <a:schemeClr val="tx1"/>
+          </a:fontRef>
+        </p:style>
+      </p:cxnSp>
+      <p:sp>
+        <p:nvSpPr>
+          <p:cNvPr id="49" name="TextBox 48">
+            <a:extLst>
+              <a:ext uri="{FF2B5EF4-FFF2-40B4-BE49-F238E27FC236}">
+                <a16:creationId xmlns:a16="http://schemas.microsoft.com/office/drawing/2014/main" id="{2A23233B-7739-481B-BA98-2DD193CD7C48}"/>
               </a:ext>
             </a:extLst>
           </p:cNvPr>
@@ -4176,8 +4593,8 @@
         </p:nvSpPr>
         <p:spPr>
           <a:xfrm>
-            <a:off x="6566262" y="2216332"/>
-            <a:ext cx="870858" cy="369332"/>
+            <a:off x="1817913" y="4679969"/>
+            <a:ext cx="587836" cy="307777"/>
           </a:xfrm>
           <a:prstGeom prst="rect">
             <a:avLst/>
@@ -4190,21 +4607,20 @@
           </a:bodyPr>
           <a:lstStyle/>
           <a:p>
-            <a:pPr algn="ctr"/>
-            <a:r>
-              <a:rPr lang="en-US" altLang="zh-CN" dirty="0"/>
-              <a:t>BRAM</a:t>
-            </a:r>
-            <a:endParaRPr lang="zh-CN" altLang="en-US" dirty="0"/>
-          </a:p>
-        </p:txBody>
-      </p:sp>
-      <p:sp>
-        <p:nvSpPr>
-          <p:cNvPr id="17" name="TextBox 16">
-            <a:extLst>
-              <a:ext uri="{FF2B5EF4-FFF2-40B4-BE49-F238E27FC236}">
-                <a16:creationId xmlns:a16="http://schemas.microsoft.com/office/drawing/2014/main" id="{13BCB398-34DA-41B0-AB66-FD6F316C6942}"/>
+            <a:r>
+              <a:rPr lang="en-US" altLang="zh-CN" sz="1400" dirty="0"/>
+              <a:t>Read</a:t>
+            </a:r>
+            <a:endParaRPr lang="zh-CN" altLang="en-US" sz="1400" dirty="0"/>
+          </a:p>
+        </p:txBody>
+      </p:sp>
+      <p:sp>
+        <p:nvSpPr>
+          <p:cNvPr id="50" name="TextBox 49">
+            <a:extLst>
+              <a:ext uri="{FF2B5EF4-FFF2-40B4-BE49-F238E27FC236}">
+                <a16:creationId xmlns:a16="http://schemas.microsoft.com/office/drawing/2014/main" id="{5C3433F8-4416-42C7-B948-893578546691}"/>
               </a:ext>
             </a:extLst>
           </p:cNvPr>
@@ -4213,8 +4629,8 @@
         </p:nvSpPr>
         <p:spPr>
           <a:xfrm>
-            <a:off x="9127670" y="2500644"/>
-            <a:ext cx="870858" cy="369332"/>
+            <a:off x="5379173" y="4691897"/>
+            <a:ext cx="587836" cy="307777"/>
           </a:xfrm>
           <a:prstGeom prst="rect">
             <a:avLst/>
@@ -4227,21 +4643,20 @@
           </a:bodyPr>
           <a:lstStyle/>
           <a:p>
-            <a:pPr algn="ctr"/>
-            <a:r>
-              <a:rPr lang="en-US" altLang="zh-CN" dirty="0"/>
-              <a:t>BRAM</a:t>
-            </a:r>
-            <a:endParaRPr lang="zh-CN" altLang="en-US" dirty="0"/>
-          </a:p>
-        </p:txBody>
-      </p:sp>
-      <p:sp>
-        <p:nvSpPr>
-          <p:cNvPr id="18" name="TextBox 17">
-            <a:extLst>
-              <a:ext uri="{FF2B5EF4-FFF2-40B4-BE49-F238E27FC236}">
-                <a16:creationId xmlns:a16="http://schemas.microsoft.com/office/drawing/2014/main" id="{C1EE2AAF-C3DC-4E3C-9FEA-FBEB780AAC09}"/>
+            <a:r>
+              <a:rPr lang="en-US" altLang="zh-CN" sz="1400" dirty="0"/>
+              <a:t>Read</a:t>
+            </a:r>
+            <a:endParaRPr lang="zh-CN" altLang="en-US" sz="1400" dirty="0"/>
+          </a:p>
+        </p:txBody>
+      </p:sp>
+      <p:sp>
+        <p:nvSpPr>
+          <p:cNvPr id="51" name="TextBox 50">
+            <a:extLst>
+              <a:ext uri="{FF2B5EF4-FFF2-40B4-BE49-F238E27FC236}">
+                <a16:creationId xmlns:a16="http://schemas.microsoft.com/office/drawing/2014/main" id="{4FEC153C-AE6E-4B8C-805B-0F1C90A2B31A}"/>
               </a:ext>
             </a:extLst>
           </p:cNvPr>
@@ -4250,8 +4665,8 @@
         </p:nvSpPr>
         <p:spPr>
           <a:xfrm>
-            <a:off x="9915795" y="2028034"/>
-            <a:ext cx="870858" cy="369332"/>
+            <a:off x="8897975" y="4679968"/>
+            <a:ext cx="587836" cy="307777"/>
           </a:xfrm>
           <a:prstGeom prst="rect">
             <a:avLst/>
@@ -4264,21 +4679,20 @@
           </a:bodyPr>
           <a:lstStyle/>
           <a:p>
-            <a:pPr algn="ctr"/>
-            <a:r>
-              <a:rPr lang="en-US" altLang="zh-CN" dirty="0"/>
-              <a:t>BRAM</a:t>
-            </a:r>
-            <a:endParaRPr lang="zh-CN" altLang="en-US" dirty="0"/>
-          </a:p>
-        </p:txBody>
-      </p:sp>
-      <p:sp>
-        <p:nvSpPr>
-          <p:cNvPr id="19" name="TextBox 18">
-            <a:extLst>
-              <a:ext uri="{FF2B5EF4-FFF2-40B4-BE49-F238E27FC236}">
-                <a16:creationId xmlns:a16="http://schemas.microsoft.com/office/drawing/2014/main" id="{D8A70544-2171-4341-AA36-C9E8F3537B7C}"/>
+            <a:r>
+              <a:rPr lang="en-US" altLang="zh-CN" sz="1400" dirty="0"/>
+              <a:t>Read</a:t>
+            </a:r>
+            <a:endParaRPr lang="zh-CN" altLang="en-US" sz="1400" dirty="0"/>
+          </a:p>
+        </p:txBody>
+      </p:sp>
+      <p:sp>
+        <p:nvSpPr>
+          <p:cNvPr id="52" name="TextBox 51">
+            <a:extLst>
+              <a:ext uri="{FF2B5EF4-FFF2-40B4-BE49-F238E27FC236}">
+                <a16:creationId xmlns:a16="http://schemas.microsoft.com/office/drawing/2014/main" id="{8202D486-AFB6-4AF5-B0F4-A406D0AE1BC5}"/>
               </a:ext>
             </a:extLst>
           </p:cNvPr>
@@ -4287,8 +4701,8 @@
         </p:nvSpPr>
         <p:spPr>
           <a:xfrm>
-            <a:off x="10711541" y="2508289"/>
-            <a:ext cx="870858" cy="369332"/>
+            <a:off x="7263760" y="4683844"/>
+            <a:ext cx="587836" cy="307777"/>
           </a:xfrm>
           <a:prstGeom prst="rect">
             <a:avLst/>
@@ -4301,12 +4715,47 @@
           </a:bodyPr>
           <a:lstStyle/>
           <a:p>
-            <a:pPr algn="ctr"/>
-            <a:r>
-              <a:rPr lang="en-US" altLang="zh-CN" dirty="0"/>
-              <a:t>BRAM</a:t>
-            </a:r>
-            <a:endParaRPr lang="zh-CN" altLang="en-US" dirty="0"/>
+            <a:r>
+              <a:rPr lang="en-US" altLang="zh-CN" sz="1400" dirty="0"/>
+              <a:t>Write</a:t>
+            </a:r>
+            <a:endParaRPr lang="zh-CN" altLang="en-US" sz="1400" dirty="0"/>
+          </a:p>
+        </p:txBody>
+      </p:sp>
+      <p:sp>
+        <p:nvSpPr>
+          <p:cNvPr id="53" name="TextBox 52">
+            <a:extLst>
+              <a:ext uri="{FF2B5EF4-FFF2-40B4-BE49-F238E27FC236}">
+                <a16:creationId xmlns:a16="http://schemas.microsoft.com/office/drawing/2014/main" id="{BE15EDE6-468C-44A3-B084-4CBA6193ECA7}"/>
+              </a:ext>
+            </a:extLst>
+          </p:cNvPr>
+          <p:cNvSpPr txBox="1"/>
+          <p:nvPr/>
+        </p:nvSpPr>
+        <p:spPr>
+          <a:xfrm>
+            <a:off x="3774748" y="4696546"/>
+            <a:ext cx="587836" cy="307777"/>
+          </a:xfrm>
+          <a:prstGeom prst="rect">
+            <a:avLst/>
+          </a:prstGeom>
+          <a:noFill/>
+        </p:spPr>
+        <p:txBody>
+          <a:bodyPr wrap="square" rtlCol="0">
+            <a:spAutoFit/>
+          </a:bodyPr>
+          <a:lstStyle/>
+          <a:p>
+            <a:r>
+              <a:rPr lang="en-US" altLang="zh-CN" sz="1400" dirty="0"/>
+              <a:t>Write</a:t>
+            </a:r>
+            <a:endParaRPr lang="zh-CN" altLang="en-US" sz="1400" dirty="0"/>
           </a:p>
         </p:txBody>
       </p:sp>
@@ -4531,6 +4980,18 @@
           <a:bodyPr/>
           <a:lstStyle/>
           <a:p>
+            <a:r>
+              <a:rPr lang="en-US" altLang="zh-CN" dirty="0"/>
+              <a:t>We want the throughput of data to be roughly equal across the layers to minimize stalling for previous layer to finish computation, or for next layer to finish computation before writing new data</a:t>
+            </a:r>
+          </a:p>
+          <a:p>
+            <a:r>
+              <a:rPr lang="en-US" altLang="zh-CN" dirty="0"/>
+              <a:t>Let’s look at the amount of MACs per layer and throughput requirements</a:t>
+            </a:r>
+          </a:p>
+          <a:p>
             <a:endParaRPr lang="zh-CN" altLang="en-US" dirty="0"/>
           </a:p>
         </p:txBody>
@@ -4570,7 +5031,7 @@
           <p:cNvPr id="2" name="Title 1">
             <a:extLst>
               <a:ext uri="{FF2B5EF4-FFF2-40B4-BE49-F238E27FC236}">
-                <a16:creationId xmlns:a16="http://schemas.microsoft.com/office/drawing/2014/main" id="{15DD7CF7-D152-4EA1-BD43-E59DF21B1FCE}"/>
+                <a16:creationId xmlns:a16="http://schemas.microsoft.com/office/drawing/2014/main" id="{AECA3288-3660-4A23-8BFE-5CC49BD6ECF4}"/>
               </a:ext>
             </a:extLst>
           </p:cNvPr>
@@ -4588,9 +5049,13 @@
           <a:p>
             <a:r>
               <a:rPr lang="en-US" altLang="zh-CN" dirty="0"/>
-              <a:t>What About the Backward Pass?</a:t>
-            </a:r>
-            <a:endParaRPr lang="zh-CN" altLang="en-US" dirty="0"/>
+              <a:t>Proposed Layout Specific </a:t>
+            </a:r>
+            <a:r>
+              <a:rPr lang="en-US" altLang="zh-CN"/>
+              <a:t>to this CNN</a:t>
+            </a:r>
+            <a:endParaRPr lang="zh-CN" altLang="en-US"/>
           </a:p>
         </p:txBody>
       </p:sp>
@@ -4599,7 +5064,7 @@
           <p:cNvPr id="3" name="Content Placeholder 2">
             <a:extLst>
               <a:ext uri="{FF2B5EF4-FFF2-40B4-BE49-F238E27FC236}">
-                <a16:creationId xmlns:a16="http://schemas.microsoft.com/office/drawing/2014/main" id="{398A622F-DEF2-4FD3-83BA-B885E76D6E34}"/>
+                <a16:creationId xmlns:a16="http://schemas.microsoft.com/office/drawing/2014/main" id="{0D8F7546-A7A4-4E13-8C4F-75658AE571DF}"/>
               </a:ext>
             </a:extLst>
           </p:cNvPr>
@@ -4610,57 +5075,19 @@
             <p:ph idx="1"/>
           </p:nvPr>
         </p:nvSpPr>
-        <p:spPr>
-          <a:xfrm>
-            <a:off x="838200" y="1825625"/>
-            <a:ext cx="10515600" cy="4667250"/>
-          </a:xfrm>
-        </p:spPr>
-        <p:txBody>
-          <a:bodyPr>
-            <a:normAutofit lnSpcReduction="10000"/>
-          </a:bodyPr>
-          <a:lstStyle/>
-          <a:p>
-            <a:r>
-              <a:rPr lang="en-US" altLang="zh-CN" dirty="0"/>
-              <a:t>Well… actually the backward pass can use the exact same kernels to compute the gradients for the weights!</a:t>
-            </a:r>
-          </a:p>
-          <a:p>
-            <a:endParaRPr lang="en-US" altLang="zh-CN" dirty="0"/>
-          </a:p>
-          <a:p>
-            <a:r>
-              <a:rPr lang="en-US" altLang="zh-CN" dirty="0"/>
-              <a:t>However, as expected, the data-stream pattern will be completely different</a:t>
-            </a:r>
-          </a:p>
-          <a:p>
-            <a:endParaRPr lang="en-US" altLang="zh-CN" dirty="0"/>
-          </a:p>
-          <a:p>
-            <a:r>
-              <a:rPr lang="en-US" altLang="zh-CN" dirty="0"/>
-              <a:t>This means that the layers need two different schedulers</a:t>
-            </a:r>
-          </a:p>
-          <a:p>
-            <a:endParaRPr lang="en-US" altLang="zh-CN" dirty="0"/>
-          </a:p>
-          <a:p>
-            <a:r>
-              <a:rPr lang="en-US" altLang="zh-CN" dirty="0"/>
-              <a:t>Start with forward pass scheduler and implementation, then create a scheduler for the backward pass and updating weights</a:t>
-            </a:r>
-            <a:endParaRPr lang="zh-CN" altLang="en-US" dirty="0"/>
+        <p:spPr/>
+        <p:txBody>
+          <a:bodyPr/>
+          <a:lstStyle/>
+          <a:p>
+            <a:endParaRPr lang="zh-CN" altLang="en-US"/>
           </a:p>
         </p:txBody>
       </p:sp>
     </p:spTree>
     <p:extLst>
       <p:ext uri="{BB962C8B-B14F-4D97-AF65-F5344CB8AC3E}">
-        <p14:creationId xmlns:p14="http://schemas.microsoft.com/office/powerpoint/2010/main" val="1334067017"/>
+        <p14:creationId xmlns:p14="http://schemas.microsoft.com/office/powerpoint/2010/main" val="2657684705"/>
       </p:ext>
     </p:extLst>
   </p:cSld>
@@ -4692,6 +5119,429 @@
           <p:cNvPr id="2" name="Title 1">
             <a:extLst>
               <a:ext uri="{FF2B5EF4-FFF2-40B4-BE49-F238E27FC236}">
+                <a16:creationId xmlns:a16="http://schemas.microsoft.com/office/drawing/2014/main" id="{15DD7CF7-D152-4EA1-BD43-E59DF21B1FCE}"/>
+              </a:ext>
+            </a:extLst>
+          </p:cNvPr>
+          <p:cNvSpPr>
+            <a:spLocks noGrp="1"/>
+          </p:cNvSpPr>
+          <p:nvPr>
+            <p:ph type="title"/>
+          </p:nvPr>
+        </p:nvSpPr>
+        <p:spPr/>
+        <p:txBody>
+          <a:bodyPr/>
+          <a:lstStyle/>
+          <a:p>
+            <a:r>
+              <a:rPr lang="en-US" altLang="zh-CN" dirty="0"/>
+              <a:t>What About the Backward Pass?</a:t>
+            </a:r>
+            <a:endParaRPr lang="zh-CN" altLang="en-US" dirty="0"/>
+          </a:p>
+        </p:txBody>
+      </p:sp>
+      <p:sp>
+        <p:nvSpPr>
+          <p:cNvPr id="3" name="Content Placeholder 2">
+            <a:extLst>
+              <a:ext uri="{FF2B5EF4-FFF2-40B4-BE49-F238E27FC236}">
+                <a16:creationId xmlns:a16="http://schemas.microsoft.com/office/drawing/2014/main" id="{398A622F-DEF2-4FD3-83BA-B885E76D6E34}"/>
+              </a:ext>
+            </a:extLst>
+          </p:cNvPr>
+          <p:cNvSpPr>
+            <a:spLocks noGrp="1"/>
+          </p:cNvSpPr>
+          <p:nvPr>
+            <p:ph idx="1"/>
+          </p:nvPr>
+        </p:nvSpPr>
+        <p:spPr>
+          <a:xfrm>
+            <a:off x="838200" y="1825625"/>
+            <a:ext cx="10515600" cy="4667250"/>
+          </a:xfrm>
+        </p:spPr>
+        <p:txBody>
+          <a:bodyPr>
+            <a:normAutofit lnSpcReduction="10000"/>
+          </a:bodyPr>
+          <a:lstStyle/>
+          <a:p>
+            <a:r>
+              <a:rPr lang="en-US" altLang="zh-CN" dirty="0"/>
+              <a:t>Well… actually the backward pass can use the exact same kernels to compute the gradients for the weights!</a:t>
+            </a:r>
+          </a:p>
+          <a:p>
+            <a:endParaRPr lang="en-US" altLang="zh-CN" dirty="0"/>
+          </a:p>
+          <a:p>
+            <a:r>
+              <a:rPr lang="en-US" altLang="zh-CN" dirty="0"/>
+              <a:t>However, as expected, the data-stream pattern will be completely different</a:t>
+            </a:r>
+          </a:p>
+          <a:p>
+            <a:endParaRPr lang="en-US" altLang="zh-CN" dirty="0"/>
+          </a:p>
+          <a:p>
+            <a:r>
+              <a:rPr lang="en-US" altLang="zh-CN" dirty="0"/>
+              <a:t>This means that the layers need two different schedulers</a:t>
+            </a:r>
+          </a:p>
+          <a:p>
+            <a:endParaRPr lang="en-US" altLang="zh-CN" dirty="0"/>
+          </a:p>
+          <a:p>
+            <a:r>
+              <a:rPr lang="en-US" altLang="zh-CN" dirty="0"/>
+              <a:t>Start with forward pass scheduler and implementation, then create a scheduler for the backward pass and updating weights</a:t>
+            </a:r>
+            <a:endParaRPr lang="zh-CN" altLang="en-US" dirty="0"/>
+          </a:p>
+        </p:txBody>
+      </p:sp>
+    </p:spTree>
+    <p:extLst>
+      <p:ext uri="{BB962C8B-B14F-4D97-AF65-F5344CB8AC3E}">
+        <p14:creationId xmlns:p14="http://schemas.microsoft.com/office/powerpoint/2010/main" val="1334067017"/>
+      </p:ext>
+    </p:extLst>
+  </p:cSld>
+  <p:clrMapOvr>
+    <a:masterClrMapping/>
+  </p:clrMapOvr>
+</p:sld>
+</file>
+
+<file path=ppt/slides/slide16.xml><?xml version="1.0" encoding="utf-8"?>
+<p:sld xmlns:a="http://schemas.openxmlformats.org/drawingml/2006/main" xmlns:r="http://schemas.openxmlformats.org/officeDocument/2006/relationships" xmlns:p="http://schemas.openxmlformats.org/presentationml/2006/main">
+  <p:cSld>
+    <p:spTree>
+      <p:nvGrpSpPr>
+        <p:cNvPr id="1" name=""/>
+        <p:cNvGrpSpPr/>
+        <p:nvPr/>
+      </p:nvGrpSpPr>
+      <p:grpSpPr>
+        <a:xfrm>
+          <a:off x="0" y="0"/>
+          <a:ext cx="0" cy="0"/>
+          <a:chOff x="0" y="0"/>
+          <a:chExt cx="0" cy="0"/>
+        </a:xfrm>
+      </p:grpSpPr>
+      <p:sp>
+        <p:nvSpPr>
+          <p:cNvPr id="2" name="Title 1">
+            <a:extLst>
+              <a:ext uri="{FF2B5EF4-FFF2-40B4-BE49-F238E27FC236}">
+                <a16:creationId xmlns:a16="http://schemas.microsoft.com/office/drawing/2014/main" id="{F1063D79-604C-4957-A330-A140ED189DB8}"/>
+              </a:ext>
+            </a:extLst>
+          </p:cNvPr>
+          <p:cNvSpPr>
+            <a:spLocks noGrp="1"/>
+          </p:cNvSpPr>
+          <p:nvPr>
+            <p:ph type="title"/>
+          </p:nvPr>
+        </p:nvSpPr>
+        <p:spPr>
+          <a:xfrm>
+            <a:off x="838199" y="365125"/>
+            <a:ext cx="10918371" cy="1325563"/>
+          </a:xfrm>
+        </p:spPr>
+        <p:txBody>
+          <a:bodyPr>
+            <a:normAutofit fontScale="90000"/>
+          </a:bodyPr>
+          <a:lstStyle/>
+          <a:p>
+            <a:r>
+              <a:rPr lang="en-US" altLang="zh-CN" dirty="0"/>
+              <a:t>Hopefully, will have time to finish the backward pass, but it might be a bit too much for time restrictions</a:t>
+            </a:r>
+            <a:endParaRPr lang="zh-CN" altLang="en-US" dirty="0"/>
+          </a:p>
+        </p:txBody>
+      </p:sp>
+      <p:sp>
+        <p:nvSpPr>
+          <p:cNvPr id="3" name="Content Placeholder 2">
+            <a:extLst>
+              <a:ext uri="{FF2B5EF4-FFF2-40B4-BE49-F238E27FC236}">
+                <a16:creationId xmlns:a16="http://schemas.microsoft.com/office/drawing/2014/main" id="{7CA5B611-D4F9-4CD7-B0DF-B89AE5C5628C}"/>
+              </a:ext>
+            </a:extLst>
+          </p:cNvPr>
+          <p:cNvSpPr>
+            <a:spLocks noGrp="1"/>
+          </p:cNvSpPr>
+          <p:nvPr>
+            <p:ph idx="1"/>
+          </p:nvPr>
+        </p:nvSpPr>
+        <p:spPr>
+          <a:xfrm>
+            <a:off x="285750" y="1825625"/>
+            <a:ext cx="5114925" cy="2820986"/>
+          </a:xfrm>
+        </p:spPr>
+        <p:txBody>
+          <a:bodyPr>
+            <a:normAutofit fontScale="92500" lnSpcReduction="10000"/>
+          </a:bodyPr>
+          <a:lstStyle/>
+          <a:p>
+            <a:r>
+              <a:rPr lang="en-US" altLang="zh-CN" dirty="0"/>
+              <a:t>Someone who tried similar… </a:t>
+            </a:r>
+          </a:p>
+          <a:p>
+            <a:r>
+              <a:rPr lang="en-US" altLang="zh-CN" dirty="0"/>
+              <a:t>In this person’s thesis, everything was put in RAM, even the images</a:t>
+            </a:r>
+          </a:p>
+          <a:p>
+            <a:r>
+              <a:rPr lang="en-US" altLang="zh-CN" dirty="0"/>
+              <a:t>Did not use any of the DSPs</a:t>
+            </a:r>
+          </a:p>
+          <a:p>
+            <a:r>
+              <a:rPr lang="en-US" altLang="zh-CN" dirty="0"/>
+              <a:t>HW </a:t>
+            </a:r>
+            <a:r>
+              <a:rPr lang="en-US" altLang="zh-CN" dirty="0" err="1"/>
+              <a:t>impl</a:t>
+            </a:r>
+            <a:r>
+              <a:rPr lang="en-US" altLang="zh-CN" dirty="0"/>
+              <a:t>. was only 1 neuron</a:t>
+            </a:r>
+          </a:p>
+          <a:p>
+            <a:r>
+              <a:rPr lang="en-US" altLang="zh-CN" dirty="0"/>
+              <a:t>In comparison… my current scope is a lot bigger, hopefully is okay.</a:t>
+            </a:r>
+          </a:p>
+          <a:p>
+            <a:endParaRPr lang="zh-CN" altLang="en-US" dirty="0"/>
+          </a:p>
+        </p:txBody>
+      </p:sp>
+      <p:pic>
+        <p:nvPicPr>
+          <p:cNvPr id="4" name="Picture 3">
+            <a:extLst>
+              <a:ext uri="{FF2B5EF4-FFF2-40B4-BE49-F238E27FC236}">
+                <a16:creationId xmlns:a16="http://schemas.microsoft.com/office/drawing/2014/main" id="{3A7E16D1-4332-4373-8FA8-9FAF107454D5}"/>
+              </a:ext>
+            </a:extLst>
+          </p:cNvPr>
+          <p:cNvPicPr>
+            <a:picLocks noChangeAspect="1"/>
+          </p:cNvPicPr>
+          <p:nvPr/>
+        </p:nvPicPr>
+        <p:blipFill>
+          <a:blip r:embed="rId2"/>
+          <a:stretch>
+            <a:fillRect/>
+          </a:stretch>
+        </p:blipFill>
+        <p:spPr>
+          <a:xfrm>
+            <a:off x="5400675" y="1617662"/>
+            <a:ext cx="6395668" cy="2687638"/>
+          </a:xfrm>
+          <a:prstGeom prst="rect">
+            <a:avLst/>
+          </a:prstGeom>
+          <a:ln>
+            <a:solidFill>
+              <a:srgbClr val="002060"/>
+            </a:solidFill>
+          </a:ln>
+        </p:spPr>
+      </p:pic>
+      <p:pic>
+        <p:nvPicPr>
+          <p:cNvPr id="5" name="Picture 4">
+            <a:extLst>
+              <a:ext uri="{FF2B5EF4-FFF2-40B4-BE49-F238E27FC236}">
+                <a16:creationId xmlns:a16="http://schemas.microsoft.com/office/drawing/2014/main" id="{F3F32D91-C8A1-4E9C-8001-A8A662E0318A}"/>
+              </a:ext>
+            </a:extLst>
+          </p:cNvPr>
+          <p:cNvPicPr>
+            <a:picLocks noChangeAspect="1"/>
+          </p:cNvPicPr>
+          <p:nvPr/>
+        </p:nvPicPr>
+        <p:blipFill>
+          <a:blip r:embed="rId3"/>
+          <a:stretch>
+            <a:fillRect/>
+          </a:stretch>
+        </p:blipFill>
+        <p:spPr>
+          <a:xfrm>
+            <a:off x="180975" y="4646611"/>
+            <a:ext cx="6591300" cy="2162175"/>
+          </a:xfrm>
+          <a:prstGeom prst="rect">
+            <a:avLst/>
+          </a:prstGeom>
+          <a:ln>
+            <a:solidFill>
+              <a:srgbClr val="002060"/>
+            </a:solidFill>
+          </a:ln>
+        </p:spPr>
+      </p:pic>
+      <p:pic>
+        <p:nvPicPr>
+          <p:cNvPr id="6" name="Picture 5">
+            <a:extLst>
+              <a:ext uri="{FF2B5EF4-FFF2-40B4-BE49-F238E27FC236}">
+                <a16:creationId xmlns:a16="http://schemas.microsoft.com/office/drawing/2014/main" id="{DB636355-9C21-49F4-95E6-510A9A795F14}"/>
+              </a:ext>
+            </a:extLst>
+          </p:cNvPr>
+          <p:cNvPicPr>
+            <a:picLocks noChangeAspect="1"/>
+          </p:cNvPicPr>
+          <p:nvPr/>
+        </p:nvPicPr>
+        <p:blipFill>
+          <a:blip r:embed="rId4"/>
+          <a:stretch>
+            <a:fillRect/>
+          </a:stretch>
+        </p:blipFill>
+        <p:spPr>
+          <a:xfrm>
+            <a:off x="6958013" y="4676402"/>
+            <a:ext cx="5053012" cy="1919473"/>
+          </a:xfrm>
+          <a:prstGeom prst="rect">
+            <a:avLst/>
+          </a:prstGeom>
+          <a:ln>
+            <a:solidFill>
+              <a:schemeClr val="tx1"/>
+            </a:solidFill>
+          </a:ln>
+        </p:spPr>
+      </p:pic>
+    </p:spTree>
+    <p:extLst>
+      <p:ext uri="{BB962C8B-B14F-4D97-AF65-F5344CB8AC3E}">
+        <p14:creationId xmlns:p14="http://schemas.microsoft.com/office/powerpoint/2010/main" val="4249968430"/>
+      </p:ext>
+    </p:extLst>
+  </p:cSld>
+  <p:clrMapOvr>
+    <a:masterClrMapping/>
+  </p:clrMapOvr>
+</p:sld>
+</file>
+
+<file path=ppt/slides/slide17.xml><?xml version="1.0" encoding="utf-8"?>
+<p:sld xmlns:a="http://schemas.openxmlformats.org/drawingml/2006/main" xmlns:r="http://schemas.openxmlformats.org/officeDocument/2006/relationships" xmlns:p="http://schemas.openxmlformats.org/presentationml/2006/main">
+  <p:cSld>
+    <p:spTree>
+      <p:nvGrpSpPr>
+        <p:cNvPr id="1" name=""/>
+        <p:cNvGrpSpPr/>
+        <p:nvPr/>
+      </p:nvGrpSpPr>
+      <p:grpSpPr>
+        <a:xfrm>
+          <a:off x="0" y="0"/>
+          <a:ext cx="0" cy="0"/>
+          <a:chOff x="0" y="0"/>
+          <a:chExt cx="0" cy="0"/>
+        </a:xfrm>
+      </p:grpSpPr>
+      <p:pic>
+        <p:nvPicPr>
+          <p:cNvPr id="4" name="Picture 3">
+            <a:extLst>
+              <a:ext uri="{FF2B5EF4-FFF2-40B4-BE49-F238E27FC236}">
+                <a16:creationId xmlns:a16="http://schemas.microsoft.com/office/drawing/2014/main" id="{39C915CF-3F38-401E-A527-B561E8F7A569}"/>
+              </a:ext>
+            </a:extLst>
+          </p:cNvPr>
+          <p:cNvPicPr>
+            <a:picLocks noChangeAspect="1"/>
+          </p:cNvPicPr>
+          <p:nvPr/>
+        </p:nvPicPr>
+        <p:blipFill>
+          <a:blip r:embed="rId2"/>
+          <a:stretch>
+            <a:fillRect/>
+          </a:stretch>
+        </p:blipFill>
+        <p:spPr>
+          <a:xfrm>
+            <a:off x="681037" y="1195387"/>
+            <a:ext cx="10829925" cy="5153025"/>
+          </a:xfrm>
+          <a:prstGeom prst="rect">
+            <a:avLst/>
+          </a:prstGeom>
+        </p:spPr>
+      </p:pic>
+    </p:spTree>
+    <p:extLst>
+      <p:ext uri="{BB962C8B-B14F-4D97-AF65-F5344CB8AC3E}">
+        <p14:creationId xmlns:p14="http://schemas.microsoft.com/office/powerpoint/2010/main" val="963936779"/>
+      </p:ext>
+    </p:extLst>
+  </p:cSld>
+  <p:clrMapOvr>
+    <a:masterClrMapping/>
+  </p:clrMapOvr>
+</p:sld>
+</file>
+
+<file path=ppt/slides/slide18.xml><?xml version="1.0" encoding="utf-8"?>
+<p:sld xmlns:a="http://schemas.openxmlformats.org/drawingml/2006/main" xmlns:r="http://schemas.openxmlformats.org/officeDocument/2006/relationships" xmlns:p="http://schemas.openxmlformats.org/presentationml/2006/main">
+  <p:cSld>
+    <p:spTree>
+      <p:nvGrpSpPr>
+        <p:cNvPr id="1" name=""/>
+        <p:cNvGrpSpPr/>
+        <p:nvPr/>
+      </p:nvGrpSpPr>
+      <p:grpSpPr>
+        <a:xfrm>
+          <a:off x="0" y="0"/>
+          <a:ext cx="0" cy="0"/>
+          <a:chOff x="0" y="0"/>
+          <a:chExt cx="0" cy="0"/>
+        </a:xfrm>
+      </p:grpSpPr>
+      <p:sp>
+        <p:nvSpPr>
+          <p:cNvPr id="2" name="Title 1">
+            <a:extLst>
+              <a:ext uri="{FF2B5EF4-FFF2-40B4-BE49-F238E27FC236}">
                 <a16:creationId xmlns:a16="http://schemas.microsoft.com/office/drawing/2014/main" id="{B5964D1F-874E-4000-9EC6-BE83EC17ECDF}"/>
               </a:ext>
             </a:extLst>
@@ -4843,7 +5693,7 @@
 </p:sld>
 </file>
 
-<file path=ppt/slides/slide16.xml><?xml version="1.0" encoding="utf-8"?>
+<file path=ppt/slides/slide19.xml><?xml version="1.0" encoding="utf-8"?>
 <p:sld xmlns:a="http://schemas.openxmlformats.org/drawingml/2006/main" xmlns:r="http://schemas.openxmlformats.org/officeDocument/2006/relationships" xmlns:p="http://schemas.openxmlformats.org/presentationml/2006/main">
   <p:cSld>
     <p:spTree>
@@ -5312,16 +6162,86 @@
             <p:ph idx="1"/>
           </p:nvPr>
         </p:nvSpPr>
-        <p:spPr/>
-        <p:txBody>
-          <a:bodyPr/>
-          <a:lstStyle/>
-          <a:p>
-            <a:r>
-              <a:rPr lang="en-US" altLang="zh-CN" dirty="0"/>
-              <a:t>Similar format but different sizes</a:t>
-            </a:r>
-            <a:endParaRPr lang="zh-CN" altLang="en-US" dirty="0"/>
+        <p:spPr>
+          <a:xfrm>
+            <a:off x="838199" y="1825624"/>
+            <a:ext cx="10796452" cy="4784181"/>
+          </a:xfrm>
+        </p:spPr>
+        <p:txBody>
+          <a:bodyPr>
+            <a:normAutofit/>
+          </a:bodyPr>
+          <a:lstStyle/>
+          <a:p>
+            <a:r>
+              <a:rPr lang="en-US" altLang="zh-CN" dirty="0"/>
+              <a:t>Similar format but different sizes, all activations are </a:t>
+            </a:r>
+            <a:r>
+              <a:rPr lang="en-US" altLang="zh-CN" dirty="0" err="1"/>
+              <a:t>ReLU</a:t>
+            </a:r>
+            <a:r>
+              <a:rPr lang="en-US" altLang="zh-CN" dirty="0"/>
+              <a:t> except last</a:t>
+            </a:r>
+          </a:p>
+          <a:p>
+            <a:r>
+              <a:rPr lang="en-US" altLang="zh-CN" dirty="0"/>
+              <a:t>Trained to 99.01% on MNIST. 90,914 parameters.</a:t>
+            </a:r>
+          </a:p>
+          <a:p>
+            <a:r>
+              <a:rPr lang="en-US" altLang="zh-CN" dirty="0"/>
+              <a:t>Conv1  		(Input: 1x28x28. 	Output: 3x28x28)</a:t>
+            </a:r>
+          </a:p>
+          <a:p>
+            <a:r>
+              <a:rPr lang="en-US" altLang="zh-CN" dirty="0"/>
+              <a:t>Pooling 		(Input: 3x28x28. 	Output: 3x14x14)</a:t>
+            </a:r>
+          </a:p>
+          <a:p>
+            <a:r>
+              <a:rPr lang="en-US" altLang="zh-CN" dirty="0"/>
+              <a:t>Conv2		(Input: 3x14x14. 	Output: 6x14x14)</a:t>
+            </a:r>
+          </a:p>
+          <a:p>
+            <a:r>
+              <a:rPr lang="en-US" altLang="zh-CN" dirty="0"/>
+              <a:t>Pooling 		(Input: 6x14x14. 	Output: 6x7x7)</a:t>
+            </a:r>
+          </a:p>
+          <a:p>
+            <a:r>
+              <a:rPr lang="en-US" altLang="zh-CN" dirty="0"/>
+              <a:t>Conv3 		(Input: 6x7x7. 	Output: 8x7x7)</a:t>
+            </a:r>
+          </a:p>
+          <a:p>
+            <a:r>
+              <a:rPr lang="en-US" altLang="zh-CN" dirty="0"/>
+              <a:t>FC1			(Input: 8x7x7.	Output: 32)</a:t>
+            </a:r>
+          </a:p>
+          <a:p>
+            <a:r>
+              <a:rPr lang="en-US" altLang="zh-CN" dirty="0"/>
+              <a:t>FC2 			(Input: 32		Output: 10) {</a:t>
+            </a:r>
+            <a:r>
+              <a:rPr lang="en-US" altLang="zh-CN" dirty="0" err="1"/>
+              <a:t>Softmax</a:t>
+            </a:r>
+            <a:r>
+              <a:rPr lang="en-US" altLang="zh-CN" dirty="0"/>
+              <a:t>, use big LUT}</a:t>
+            </a:r>
           </a:p>
         </p:txBody>
       </p:sp>
